--- a/diplomski_v1.1.pptx
+++ b/diplomski_v1.1.pptx
@@ -18,8 +18,8 @@
     <p:sldId id="266" r:id="rId9"/>
     <p:sldId id="267" r:id="rId10"/>
     <p:sldId id="268" r:id="rId11"/>
-    <p:sldId id="269" r:id="rId12"/>
-    <p:sldId id="270" r:id="rId13"/>
+    <p:sldId id="270" r:id="rId12"/>
+    <p:sldId id="269" r:id="rId13"/>
     <p:sldId id="271" r:id="rId14"/>
     <p:sldId id="272" r:id="rId15"/>
     <p:sldId id="273" r:id="rId16"/>
@@ -5180,7 +5180,7 @@
             </a:r>
             <a:r>
               <a:rPr lang="en-US" sz="4800" i="1" spc="2000" dirty="0" err="1"/>
-              <a:t>AuthService</a:t>
+              <a:t>EurekaServer</a:t>
             </a:r>
             <a:endParaRPr lang="sr-Latn-RS" i="1" spc="2000" dirty="0"/>
           </a:p>
@@ -5204,52 +5204,65 @@
         </p:nvSpPr>
         <p:spPr>
           <a:xfrm>
-            <a:off x="687393" y="1265119"/>
-            <a:ext cx="6032401" cy="5309091"/>
+            <a:off x="863064" y="1446344"/>
+            <a:ext cx="6847552" cy="5411656"/>
           </a:xfrm>
         </p:spPr>
         <p:txBody>
           <a:bodyPr>
-            <a:normAutofit lnSpcReduction="10000"/>
+            <a:normAutofit/>
           </a:bodyPr>
           <a:lstStyle/>
           <a:p>
             <a:r>
               <a:rPr lang="sr-Latn-RS" sz="2400" dirty="0"/>
-              <a:t>OAuth2</a:t>
-            </a:r>
-          </a:p>
-          <a:p>
-            <a:pPr lvl="1"/>
-            <a:r>
-              <a:rPr lang="sr-Latn-RS" sz="2400" dirty="0"/>
-              <a:t>Token</a:t>
-            </a:r>
-          </a:p>
-          <a:p>
-            <a:endParaRPr lang="sr-Latn-RS" sz="2400" dirty="0"/>
-          </a:p>
-          <a:p>
-            <a:endParaRPr lang="sr-Latn-RS" sz="2400" dirty="0"/>
+              <a:t>Eureka Server       </a:t>
+            </a:r>
+            <a:r>
+              <a:rPr lang="sr-Latn-RS" sz="2400" i="1" dirty="0"/>
+              <a:t>+ Javljanja</a:t>
+            </a:r>
           </a:p>
           <a:p>
             <a:pPr marL="0" indent="0">
               <a:buNone/>
             </a:pPr>
+            <a:r>
+              <a:rPr lang="sr-Latn-RS" sz="2400" i="1" dirty="0"/>
+              <a:t>		            + Pronalaženje</a:t>
+            </a:r>
+            <a:r>
+              <a:rPr lang="en-US" sz="2400" i="1" dirty="0"/>
+              <a:t> po </a:t>
+            </a:r>
+            <a:r>
+              <a:rPr lang="en-US" sz="2400" i="1" dirty="0" err="1"/>
+              <a:t>imenu</a:t>
+            </a:r>
             <a:endParaRPr lang="sr-Latn-RS" sz="2400" dirty="0"/>
           </a:p>
           <a:p>
             <a:r>
-              <a:rPr lang="sr-Latn-RS" sz="2400" dirty="0"/>
-              <a:t>Funkcionalnosti</a:t>
-            </a:r>
-          </a:p>
-          <a:p>
-            <a:pPr lvl="1"/>
-            <a:r>
-              <a:rPr lang="sr-Latn-RS" sz="2400" dirty="0"/>
-              <a:t>Integrisane         + Login</a:t>
-            </a:r>
+              <a:rPr lang="en-US" sz="2400" dirty="0" err="1"/>
+              <a:t>Celokupan</a:t>
+            </a:r>
+            <a:r>
+              <a:rPr lang="en-US" sz="2400" dirty="0"/>
+              <a:t> </a:t>
+            </a:r>
+            <a:r>
+              <a:rPr lang="en-US" sz="2400" dirty="0" err="1"/>
+              <a:t>tok</a:t>
+            </a:r>
+            <a:r>
+              <a:rPr lang="en-US" sz="2400" dirty="0"/>
+              <a:t> </a:t>
+            </a:r>
+            <a:r>
+              <a:rPr lang="en-US" sz="2400" dirty="0" err="1"/>
+              <a:t>podataka</a:t>
+            </a:r>
+            <a:endParaRPr lang="en-US" sz="2400" dirty="0"/>
           </a:p>
           <a:p>
             <a:pPr marL="1444752" lvl="3" indent="0">
@@ -5257,54 +5270,153 @@
             </a:pPr>
             <a:r>
               <a:rPr lang="sr-Latn-RS" sz="2000" dirty="0"/>
-              <a:t>	               </a:t>
+              <a:t>0.     </a:t>
+            </a:r>
+            <a:r>
+              <a:rPr lang="en-US" sz="2000" dirty="0" err="1"/>
+              <a:t>Javljanje</a:t>
             </a:r>
             <a:r>
               <a:rPr lang="en-US" sz="2000" dirty="0"/>
-              <a:t>    </a:t>
-            </a:r>
+              <a:t> </a:t>
+            </a:r>
+            <a:r>
+              <a:rPr lang="sr-Latn-RS" sz="2000" dirty="0"/>
+              <a:t>mikroservisa</a:t>
+            </a:r>
+            <a:endParaRPr lang="en-US" sz="2000" dirty="0"/>
+          </a:p>
+          <a:p>
+            <a:pPr marL="1901952" lvl="3" indent="-457200">
+              <a:buFont typeface="+mj-lt"/>
+              <a:buAutoNum type="arabicPeriod"/>
+            </a:pPr>
+            <a:r>
+              <a:rPr lang="en-US" sz="2000" dirty="0" err="1"/>
+              <a:t>Tra</a:t>
+            </a:r>
+            <a:r>
+              <a:rPr lang="sr-Latn-RS" sz="2000" dirty="0"/>
+              <a:t>ž</a:t>
+            </a:r>
+            <a:r>
+              <a:rPr lang="en-US" sz="2000" dirty="0" err="1"/>
+              <a:t>enje</a:t>
+            </a:r>
+            <a:r>
+              <a:rPr lang="en-US" sz="2000" dirty="0"/>
+              <a:t> po </a:t>
+            </a:r>
+            <a:r>
+              <a:rPr lang="en-US" sz="2000" dirty="0" err="1"/>
+              <a:t>imenu</a:t>
+            </a:r>
+            <a:r>
+              <a:rPr lang="en-US" sz="2000" dirty="0"/>
+              <a:t> (po </a:t>
+            </a:r>
+            <a:r>
+              <a:rPr lang="en-US" sz="2000" dirty="0" err="1"/>
+              <a:t>zahtevu</a:t>
+            </a:r>
+            <a:r>
+              <a:rPr lang="sr-Latn-RS" sz="2000" dirty="0"/>
+              <a:t>)</a:t>
+            </a:r>
+            <a:endParaRPr lang="en-US" sz="2000" dirty="0"/>
+          </a:p>
+          <a:p>
+            <a:pPr marL="1901952" lvl="3" indent="-457200">
+              <a:buFont typeface="+mj-lt"/>
+              <a:buAutoNum type="arabicPeriod"/>
+            </a:pPr>
+            <a:r>
+              <a:rPr lang="en-US" sz="2000" dirty="0" err="1"/>
+              <a:t>Pronala</a:t>
+            </a:r>
+            <a:r>
+              <a:rPr lang="sr-Latn-RS" sz="2000" dirty="0"/>
+              <a:t>ž</a:t>
+            </a:r>
+            <a:r>
+              <a:rPr lang="en-US" sz="2000" dirty="0" err="1"/>
+              <a:t>enje</a:t>
+            </a:r>
+            <a:r>
+              <a:rPr lang="sr-Latn-RS" sz="2000" dirty="0"/>
+              <a:t> instance</a:t>
+            </a:r>
+          </a:p>
+          <a:p>
+            <a:pPr marL="1901952" lvl="3" indent="-457200">
+              <a:buFont typeface="+mj-lt"/>
+              <a:buAutoNum type="arabicPeriod"/>
+            </a:pPr>
+            <a:r>
+              <a:rPr lang="sr-Latn-RS" sz="2000" dirty="0"/>
+              <a:t>Odgovor traženja po imenu</a:t>
+            </a:r>
+          </a:p>
+          <a:p>
+            <a:pPr marL="1901952" lvl="3" indent="-457200">
+              <a:buFont typeface="+mj-lt"/>
+              <a:buAutoNum type="arabicPeriod"/>
+            </a:pPr>
+            <a:r>
+              <a:rPr lang="sr-Latn-RS" sz="2000" dirty="0"/>
+              <a:t>Direktna komunikacija</a:t>
+            </a:r>
+          </a:p>
+          <a:p>
             <a:r>
               <a:rPr lang="sr-Latn-RS" sz="2400" dirty="0"/>
-              <a:t>+</a:t>
-            </a:r>
-            <a:r>
-              <a:rPr lang="sr-Latn-RS" sz="2000" dirty="0"/>
-              <a:t> </a:t>
-            </a:r>
+              <a:t>Ribbon</a:t>
+            </a:r>
+            <a:r>
+              <a:rPr lang="en-US" sz="2400" dirty="0"/>
+              <a:t> Load Balancer</a:t>
+            </a:r>
+            <a:endParaRPr lang="sr-Latn-RS" sz="2400" dirty="0"/>
+          </a:p>
+          <a:p>
+            <a:r>
+              <a:rPr lang="en-US" sz="2400" dirty="0"/>
+              <a:t>Feign</a:t>
+            </a:r>
+            <a:endParaRPr lang="sr-Latn-RS" sz="2400" dirty="0"/>
+          </a:p>
+          <a:p>
             <a:r>
               <a:rPr lang="sr-Latn-RS" sz="2400" dirty="0"/>
-              <a:t>Provera tokena</a:t>
-            </a:r>
-            <a:endParaRPr lang="sr-Latn-RS" sz="2000" dirty="0"/>
-          </a:p>
-          <a:p>
-            <a:pPr lvl="1"/>
-            <a:r>
-              <a:rPr lang="sr-Latn-RS" sz="2400" dirty="0"/>
-              <a:t>Javne                  + Registracija</a:t>
-            </a:r>
-            <a:endParaRPr lang="sr-Latn-RS" sz="2400" i="0" dirty="0"/>
-          </a:p>
-          <a:p>
-            <a:pPr marL="530352" lvl="1" indent="0">
+              <a:t>Prost </a:t>
+            </a:r>
+            <a:r>
+              <a:rPr lang="en-US" sz="2400" dirty="0"/>
+              <a:t>&lt;-&gt; </a:t>
+            </a:r>
+            <a:r>
+              <a:rPr lang="en-US" sz="2400" dirty="0" err="1"/>
+              <a:t>Kompleksan</a:t>
+            </a:r>
+            <a:r>
+              <a:rPr lang="en-US" sz="2400" dirty="0"/>
+              <a:t> ? </a:t>
+            </a:r>
+            <a:endParaRPr lang="sr-Latn-RS" sz="2400" i="1" dirty="0"/>
+          </a:p>
+          <a:p>
+            <a:pPr marL="0" indent="0">
               <a:buNone/>
             </a:pPr>
             <a:r>
               <a:rPr lang="sr-Latn-RS" sz="2400" i="1" dirty="0"/>
-              <a:t>                                 + Podaci o korisniku</a:t>
-            </a:r>
-          </a:p>
-          <a:p>
-            <a:r>
-              <a:rPr lang="sr-Latn-RS" sz="2400" dirty="0"/>
-              <a:t>Baza podataka</a:t>
-            </a:r>
-          </a:p>
-          <a:p>
-            <a:r>
-              <a:rPr lang="sr-Latn-RS" sz="2400" dirty="0"/>
-              <a:t>BCryptPasswordEncoder</a:t>
-            </a:r>
+              <a:t>	</a:t>
+            </a:r>
+            <a:endParaRPr lang="en-US" sz="2400" i="1" dirty="0"/>
+          </a:p>
+          <a:p>
+            <a:pPr lvl="1"/>
+            <a:endParaRPr lang="sr-Latn-RS" sz="2400" dirty="0"/>
           </a:p>
         </p:txBody>
       </p:sp>
@@ -5351,7 +5463,7 @@
         </p:nvSpPr>
         <p:spPr>
           <a:xfrm>
-            <a:off x="10705514" y="2366886"/>
+            <a:off x="7582486" y="2811777"/>
             <a:ext cx="1486486" cy="1628339"/>
           </a:xfrm>
           <a:prstGeom prst="ellipse">
@@ -5394,7 +5506,7 @@
           <p:cNvPr id="7" name="Footer Placeholder 3">
             <a:extLst>
               <a:ext uri="{FF2B5EF4-FFF2-40B4-BE49-F238E27FC236}">
-                <a16:creationId xmlns:a16="http://schemas.microsoft.com/office/drawing/2014/main" id="{A8712642-EA6A-4BF3-B760-226C0FA563E0}"/>
+                <a16:creationId xmlns:a16="http://schemas.microsoft.com/office/drawing/2014/main" id="{21BC5E78-7F2F-42ED-A7F2-554E5F9D5F17}"/>
               </a:ext>
             </a:extLst>
           </p:cNvPr>
@@ -5438,40 +5550,10 @@
           </a:p>
         </p:txBody>
       </p:sp>
-      <p:pic>
-        <p:nvPicPr>
-          <p:cNvPr id="9" name="Picture 8">
-            <a:extLst>
-              <a:ext uri="{FF2B5EF4-FFF2-40B4-BE49-F238E27FC236}">
-                <a16:creationId xmlns:a16="http://schemas.microsoft.com/office/drawing/2014/main" id="{3526BBF8-B7E1-4EA4-8490-57D09616B2E6}"/>
-              </a:ext>
-            </a:extLst>
-          </p:cNvPr>
-          <p:cNvPicPr>
-            <a:picLocks noChangeAspect="1"/>
-          </p:cNvPicPr>
-          <p:nvPr/>
-        </p:nvPicPr>
-        <p:blipFill>
-          <a:blip r:embed="rId3"/>
-          <a:stretch>
-            <a:fillRect/>
-          </a:stretch>
-        </p:blipFill>
-        <p:spPr>
-          <a:xfrm>
-            <a:off x="2443022" y="1023686"/>
-            <a:ext cx="3780671" cy="2477195"/>
-          </a:xfrm>
-          <a:prstGeom prst="rect">
-            <a:avLst/>
-          </a:prstGeom>
-        </p:spPr>
-      </p:pic>
     </p:spTree>
     <p:extLst>
       <p:ext uri="{BB962C8B-B14F-4D97-AF65-F5344CB8AC3E}">
-        <p14:creationId xmlns:p14="http://schemas.microsoft.com/office/powerpoint/2010/main" val="2657193620"/>
+        <p14:creationId xmlns:p14="http://schemas.microsoft.com/office/powerpoint/2010/main" val="1561718148"/>
       </p:ext>
     </p:extLst>
   </p:cSld>
@@ -5533,7 +5615,7 @@
             </a:r>
             <a:r>
               <a:rPr lang="en-US" sz="4800" i="1" spc="2000" dirty="0" err="1"/>
-              <a:t>EurekaServer</a:t>
+              <a:t>AuthService</a:t>
             </a:r>
             <a:endParaRPr lang="sr-Latn-RS" i="1" spc="2000" dirty="0"/>
           </a:p>
@@ -5557,84 +5639,52 @@
         </p:nvSpPr>
         <p:spPr>
           <a:xfrm>
-            <a:off x="863064" y="1446344"/>
-            <a:ext cx="6847552" cy="5411656"/>
+            <a:off x="687393" y="1265119"/>
+            <a:ext cx="6032401" cy="5309091"/>
           </a:xfrm>
         </p:spPr>
         <p:txBody>
           <a:bodyPr>
-            <a:normAutofit fontScale="92500" lnSpcReduction="10000"/>
+            <a:normAutofit lnSpcReduction="10000"/>
           </a:bodyPr>
           <a:lstStyle/>
           <a:p>
             <a:r>
               <a:rPr lang="sr-Latn-RS" sz="2400" dirty="0"/>
-              <a:t>Prost </a:t>
-            </a:r>
-            <a:r>
-              <a:rPr lang="en-US" sz="2400" dirty="0"/>
-              <a:t>&lt;-&gt; </a:t>
-            </a:r>
-            <a:r>
-              <a:rPr lang="en-US" sz="2400" dirty="0" err="1"/>
-              <a:t>Kompleksan</a:t>
-            </a:r>
-            <a:r>
-              <a:rPr lang="en-US" sz="2400" dirty="0"/>
-              <a:t> ? </a:t>
-            </a:r>
+              <a:t>OAuth2</a:t>
+            </a:r>
+          </a:p>
+          <a:p>
+            <a:pPr lvl="1"/>
+            <a:r>
+              <a:rPr lang="sr-Latn-RS" sz="2400" dirty="0"/>
+              <a:t>Token</a:t>
+            </a:r>
+          </a:p>
+          <a:p>
             <a:endParaRPr lang="sr-Latn-RS" sz="2400" dirty="0"/>
           </a:p>
           <a:p>
-            <a:r>
-              <a:rPr lang="sr-Latn-RS" sz="2400" dirty="0"/>
-              <a:t>Eureka Server           + </a:t>
-            </a:r>
-            <a:r>
-              <a:rPr lang="sr-Latn-RS" sz="2400" i="1" dirty="0"/>
-              <a:t>Javljanja</a:t>
-            </a:r>
+            <a:endParaRPr lang="sr-Latn-RS" sz="2400" dirty="0"/>
           </a:p>
           <a:p>
             <a:pPr marL="0" indent="0">
               <a:buNone/>
             </a:pPr>
-            <a:r>
-              <a:rPr lang="sr-Latn-RS" sz="2400" i="1" dirty="0"/>
-              <a:t>		            + Pronalaženje</a:t>
-            </a:r>
-            <a:r>
-              <a:rPr lang="en-US" sz="2400" i="1" dirty="0"/>
-              <a:t> po </a:t>
-            </a:r>
-            <a:r>
-              <a:rPr lang="en-US" sz="2400" i="1" dirty="0" err="1"/>
-              <a:t>imenu</a:t>
-            </a:r>
             <a:endParaRPr lang="sr-Latn-RS" sz="2400" dirty="0"/>
           </a:p>
           <a:p>
             <a:r>
-              <a:rPr lang="en-US" sz="2400" dirty="0" err="1"/>
-              <a:t>Celokupan</a:t>
-            </a:r>
-            <a:r>
-              <a:rPr lang="en-US" sz="2400" dirty="0"/>
-              <a:t> </a:t>
-            </a:r>
-            <a:r>
-              <a:rPr lang="en-US" sz="2400" dirty="0" err="1"/>
-              <a:t>tok</a:t>
-            </a:r>
-            <a:r>
-              <a:rPr lang="en-US" sz="2400" dirty="0"/>
-              <a:t> </a:t>
-            </a:r>
-            <a:r>
-              <a:rPr lang="en-US" sz="2400" dirty="0" err="1"/>
-              <a:t>podataka</a:t>
-            </a:r>
-            <a:endParaRPr lang="en-US" sz="2400" dirty="0"/>
+              <a:rPr lang="sr-Latn-RS" sz="2400" dirty="0"/>
+              <a:t>Funkcionalnosti</a:t>
+            </a:r>
+          </a:p>
+          <a:p>
+            <a:pPr lvl="1"/>
+            <a:r>
+              <a:rPr lang="sr-Latn-RS" sz="2400" dirty="0"/>
+              <a:t>Integrisane         + Login</a:t>
+            </a:r>
           </a:p>
           <a:p>
             <a:pPr marL="1444752" lvl="3" indent="0">
@@ -5642,137 +5692,54 @@
             </a:pPr>
             <a:r>
               <a:rPr lang="sr-Latn-RS" sz="2000" dirty="0"/>
-              <a:t>0.     </a:t>
-            </a:r>
-            <a:r>
-              <a:rPr lang="en-US" sz="2000" dirty="0" err="1"/>
-              <a:t>Javljanje</a:t>
+              <a:t>	               </a:t>
             </a:r>
             <a:r>
               <a:rPr lang="en-US" sz="2000" dirty="0"/>
+              <a:t>    </a:t>
+            </a:r>
+            <a:r>
+              <a:rPr lang="sr-Latn-RS" sz="2400" dirty="0"/>
+              <a:t>+</a:t>
+            </a:r>
+            <a:r>
+              <a:rPr lang="sr-Latn-RS" sz="2000" dirty="0"/>
               <a:t> </a:t>
             </a:r>
             <a:r>
-              <a:rPr lang="sr-Latn-RS" sz="2000" dirty="0"/>
-              <a:t>mikroservisa</a:t>
-            </a:r>
-            <a:endParaRPr lang="en-US" sz="2000" dirty="0"/>
-          </a:p>
-          <a:p>
-            <a:pPr marL="1901952" lvl="3" indent="-457200">
-              <a:buFont typeface="+mj-lt"/>
-              <a:buAutoNum type="arabicPeriod"/>
-            </a:pPr>
-            <a:r>
-              <a:rPr lang="en-US" sz="2000" dirty="0" err="1"/>
-              <a:t>Tra</a:t>
-            </a:r>
-            <a:r>
-              <a:rPr lang="sr-Latn-RS" sz="2000" dirty="0"/>
-              <a:t>ž</a:t>
-            </a:r>
-            <a:r>
-              <a:rPr lang="en-US" sz="2000" dirty="0" err="1"/>
-              <a:t>enje</a:t>
-            </a:r>
-            <a:r>
-              <a:rPr lang="en-US" sz="2000" dirty="0"/>
-              <a:t> po </a:t>
-            </a:r>
-            <a:r>
-              <a:rPr lang="en-US" sz="2000" dirty="0" err="1"/>
-              <a:t>imenu</a:t>
-            </a:r>
-            <a:r>
-              <a:rPr lang="en-US" sz="2000" dirty="0"/>
-              <a:t> (po </a:t>
-            </a:r>
-            <a:r>
-              <a:rPr lang="en-US" sz="2000" dirty="0" err="1"/>
-              <a:t>zahtevu</a:t>
-            </a:r>
-            <a:r>
-              <a:rPr lang="sr-Latn-RS" sz="2000" dirty="0"/>
-              <a:t>)</a:t>
-            </a:r>
-            <a:endParaRPr lang="en-US" sz="2000" dirty="0"/>
-          </a:p>
-          <a:p>
-            <a:pPr marL="1901952" lvl="3" indent="-457200">
-              <a:buFont typeface="+mj-lt"/>
-              <a:buAutoNum type="arabicPeriod"/>
-            </a:pPr>
-            <a:r>
-              <a:rPr lang="en-US" sz="2000" dirty="0" err="1"/>
-              <a:t>Pronala</a:t>
-            </a:r>
-            <a:r>
-              <a:rPr lang="sr-Latn-RS" sz="2000" dirty="0"/>
-              <a:t>ž</a:t>
-            </a:r>
-            <a:r>
-              <a:rPr lang="en-US" sz="2000" dirty="0" err="1"/>
-              <a:t>enje</a:t>
-            </a:r>
-            <a:r>
-              <a:rPr lang="sr-Latn-RS" sz="2000" dirty="0"/>
-              <a:t> instance</a:t>
-            </a:r>
-          </a:p>
-          <a:p>
-            <a:pPr marL="1901952" lvl="3" indent="-457200">
-              <a:buFont typeface="+mj-lt"/>
-              <a:buAutoNum type="arabicPeriod"/>
-            </a:pPr>
-            <a:r>
-              <a:rPr lang="sr-Latn-RS" sz="2000" dirty="0"/>
-              <a:t>Odgovor traženja po imenu</a:t>
-            </a:r>
-          </a:p>
-          <a:p>
-            <a:pPr marL="1901952" lvl="3" indent="-457200">
-              <a:buFont typeface="+mj-lt"/>
-              <a:buAutoNum type="arabicPeriod"/>
-            </a:pPr>
-            <a:r>
-              <a:rPr lang="sr-Latn-RS" sz="2000" dirty="0"/>
-              <a:t>Direktna komunikacija</a:t>
-            </a:r>
-          </a:p>
-          <a:p>
-            <a:r>
               <a:rPr lang="sr-Latn-RS" sz="2400" dirty="0"/>
-              <a:t>Ribbon</a:t>
-            </a:r>
-            <a:r>
-              <a:rPr lang="en-US" sz="2400" dirty="0"/>
-              <a:t> Load Balancer</a:t>
-            </a:r>
-            <a:endParaRPr lang="sr-Latn-RS" sz="2400" dirty="0"/>
-          </a:p>
-          <a:p>
-            <a:r>
-              <a:rPr lang="en-US" sz="2400" dirty="0"/>
-              <a:t>Feign</a:t>
-            </a:r>
-            <a:endParaRPr lang="sr-Latn-RS" sz="2400" dirty="0"/>
-          </a:p>
-          <a:p>
-            <a:endParaRPr lang="sr-Latn-RS" sz="2400" i="1" dirty="0"/>
-          </a:p>
-          <a:p>
-            <a:pPr marL="0" indent="0">
+              <a:t>Provera tokena</a:t>
+            </a:r>
+            <a:endParaRPr lang="sr-Latn-RS" sz="2000" dirty="0"/>
+          </a:p>
+          <a:p>
+            <a:pPr lvl="1"/>
+            <a:r>
+              <a:rPr lang="sr-Latn-RS" sz="2400" dirty="0"/>
+              <a:t>Javne                  + Registracija</a:t>
+            </a:r>
+            <a:endParaRPr lang="sr-Latn-RS" sz="2400" i="0" dirty="0"/>
+          </a:p>
+          <a:p>
+            <a:pPr marL="530352" lvl="1" indent="0">
               <a:buNone/>
             </a:pPr>
             <a:r>
               <a:rPr lang="sr-Latn-RS" sz="2400" i="1" dirty="0"/>
-              <a:t>	</a:t>
-            </a:r>
-            <a:endParaRPr lang="en-US" sz="2400" i="1" dirty="0"/>
-          </a:p>
-          <a:p>
-            <a:pPr lvl="1"/>
-            <a:endParaRPr lang="sr-Latn-RS" sz="2400" dirty="0"/>
+              <a:t>                                 + Podaci o korisniku</a:t>
+            </a:r>
+          </a:p>
+          <a:p>
+            <a:r>
+              <a:rPr lang="sr-Latn-RS" sz="2400" dirty="0"/>
+              <a:t>Baza podataka</a:t>
+            </a:r>
+          </a:p>
+          <a:p>
+            <a:r>
+              <a:rPr lang="sr-Latn-RS" sz="2400" dirty="0"/>
+              <a:t>BCryptPasswordEncoder</a:t>
+            </a:r>
           </a:p>
         </p:txBody>
       </p:sp>
@@ -5819,7 +5786,7 @@
         </p:nvSpPr>
         <p:spPr>
           <a:xfrm>
-            <a:off x="7582486" y="2811777"/>
+            <a:off x="10705514" y="2366886"/>
             <a:ext cx="1486486" cy="1628339"/>
           </a:xfrm>
           <a:prstGeom prst="ellipse">
@@ -5862,7 +5829,7 @@
           <p:cNvPr id="7" name="Footer Placeholder 3">
             <a:extLst>
               <a:ext uri="{FF2B5EF4-FFF2-40B4-BE49-F238E27FC236}">
-                <a16:creationId xmlns:a16="http://schemas.microsoft.com/office/drawing/2014/main" id="{21BC5E78-7F2F-42ED-A7F2-554E5F9D5F17}"/>
+                <a16:creationId xmlns:a16="http://schemas.microsoft.com/office/drawing/2014/main" id="{A8712642-EA6A-4BF3-B760-226C0FA563E0}"/>
               </a:ext>
             </a:extLst>
           </p:cNvPr>
@@ -5906,10 +5873,40 @@
           </a:p>
         </p:txBody>
       </p:sp>
+      <p:pic>
+        <p:nvPicPr>
+          <p:cNvPr id="9" name="Picture 8">
+            <a:extLst>
+              <a:ext uri="{FF2B5EF4-FFF2-40B4-BE49-F238E27FC236}">
+                <a16:creationId xmlns:a16="http://schemas.microsoft.com/office/drawing/2014/main" id="{3526BBF8-B7E1-4EA4-8490-57D09616B2E6}"/>
+              </a:ext>
+            </a:extLst>
+          </p:cNvPr>
+          <p:cNvPicPr>
+            <a:picLocks noChangeAspect="1"/>
+          </p:cNvPicPr>
+          <p:nvPr/>
+        </p:nvPicPr>
+        <p:blipFill>
+          <a:blip r:embed="rId3"/>
+          <a:stretch>
+            <a:fillRect/>
+          </a:stretch>
+        </p:blipFill>
+        <p:spPr>
+          <a:xfrm>
+            <a:off x="2443022" y="1023686"/>
+            <a:ext cx="3780671" cy="2477195"/>
+          </a:xfrm>
+          <a:prstGeom prst="rect">
+            <a:avLst/>
+          </a:prstGeom>
+        </p:spPr>
+      </p:pic>
     </p:spTree>
     <p:extLst>
       <p:ext uri="{BB962C8B-B14F-4D97-AF65-F5344CB8AC3E}">
-        <p14:creationId xmlns:p14="http://schemas.microsoft.com/office/powerpoint/2010/main" val="1561718148"/>
+        <p14:creationId xmlns:p14="http://schemas.microsoft.com/office/powerpoint/2010/main" val="2657193620"/>
       </p:ext>
     </p:extLst>
   </p:cSld>
@@ -6738,7 +6735,7 @@
         </p:nvSpPr>
         <p:spPr>
           <a:xfrm>
-            <a:off x="733663" y="1325235"/>
+            <a:off x="797700" y="812859"/>
             <a:ext cx="4246110" cy="600317"/>
           </a:xfrm>
           <a:prstGeom prst="rect">
@@ -7527,8 +7524,12 @@
           </a:p>
           <a:p>
             <a:r>
+              <a:rPr lang="en-US" sz="2400" dirty="0" err="1"/>
+              <a:t>Motivacija</a:t>
+            </a:r>
+            <a:r>
               <a:rPr lang="sr-Latn-RS" sz="2400" dirty="0"/>
-              <a:t>Cilj: izučavanje funkcionalnosti mikroservisa</a:t>
+              <a:t>: izučavanje funkcionalnosti mikroservisa</a:t>
             </a:r>
           </a:p>
           <a:p>
@@ -8236,6 +8237,66 @@
           </a:extLst>
         </p:spPr>
       </p:pic>
+      <p:pic>
+        <p:nvPicPr>
+          <p:cNvPr id="10" name="Picture 9">
+            <a:extLst>
+              <a:ext uri="{FF2B5EF4-FFF2-40B4-BE49-F238E27FC236}">
+                <a16:creationId xmlns:a16="http://schemas.microsoft.com/office/drawing/2014/main" id="{9C8E562D-289B-4C47-BF67-D1E66036B2DE}"/>
+              </a:ext>
+            </a:extLst>
+          </p:cNvPr>
+          <p:cNvPicPr>
+            <a:picLocks noChangeAspect="1"/>
+          </p:cNvPicPr>
+          <p:nvPr/>
+        </p:nvPicPr>
+        <p:blipFill>
+          <a:blip r:embed="rId3"/>
+          <a:stretch>
+            <a:fillRect/>
+          </a:stretch>
+        </p:blipFill>
+        <p:spPr>
+          <a:xfrm>
+            <a:off x="3894998" y="2491523"/>
+            <a:ext cx="792733" cy="671808"/>
+          </a:xfrm>
+          <a:prstGeom prst="rect">
+            <a:avLst/>
+          </a:prstGeom>
+        </p:spPr>
+      </p:pic>
+      <p:pic>
+        <p:nvPicPr>
+          <p:cNvPr id="12" name="Picture 11">
+            <a:extLst>
+              <a:ext uri="{FF2B5EF4-FFF2-40B4-BE49-F238E27FC236}">
+                <a16:creationId xmlns:a16="http://schemas.microsoft.com/office/drawing/2014/main" id="{F6DCEA9D-40C1-4B26-9A81-0F1A5B219CAA}"/>
+              </a:ext>
+            </a:extLst>
+          </p:cNvPr>
+          <p:cNvPicPr>
+            <a:picLocks noChangeAspect="1"/>
+          </p:cNvPicPr>
+          <p:nvPr/>
+        </p:nvPicPr>
+        <p:blipFill>
+          <a:blip r:embed="rId3"/>
+          <a:stretch>
+            <a:fillRect/>
+          </a:stretch>
+        </p:blipFill>
+        <p:spPr>
+          <a:xfrm>
+            <a:off x="7504271" y="2491523"/>
+            <a:ext cx="792733" cy="671808"/>
+          </a:xfrm>
+          <a:prstGeom prst="rect">
+            <a:avLst/>
+          </a:prstGeom>
+        </p:spPr>
+      </p:pic>
     </p:spTree>
     <p:extLst>
       <p:ext uri="{BB962C8B-B14F-4D97-AF65-F5344CB8AC3E}">
@@ -9063,7 +9124,7 @@
         </p:spPr>
         <p:txBody>
           <a:bodyPr>
-            <a:normAutofit lnSpcReduction="10000"/>
+            <a:normAutofit/>
           </a:bodyPr>
           <a:lstStyle/>
           <a:p>
@@ -9174,29 +9235,6 @@
               <a:rPr lang="sr-Latn-RS" sz="2400" dirty="0"/>
               <a:t>Novčanik – pregled stanja sredstava</a:t>
             </a:r>
-          </a:p>
-          <a:p>
-            <a:r>
-              <a:rPr lang="sr-Latn-RS" sz="2400" dirty="0"/>
-              <a:t>Aplikacija k</a:t>
-            </a:r>
-            <a:r>
-              <a:rPr lang="en-US" sz="2400" dirty="0"/>
-              <a:t>a</a:t>
-            </a:r>
-            <a:r>
-              <a:rPr lang="sr-Latn-RS" sz="2400" dirty="0"/>
-              <a:t>o:  Globalna </a:t>
-            </a:r>
-            <a:r>
-              <a:rPr lang="en-US" sz="2400" dirty="0"/>
-              <a:t>&lt;---&gt; </a:t>
-            </a:r>
-            <a:r>
-              <a:rPr lang="en-US" sz="2400" dirty="0" err="1"/>
-              <a:t>Zatvorena</a:t>
-            </a:r>
-            <a:endParaRPr lang="sr-Latn-RS" sz="2400" dirty="0"/>
           </a:p>
           <a:p>
             <a:pPr marL="0" indent="0">
@@ -9333,8 +9371,8 @@
         </p:nvSpPr>
         <p:spPr>
           <a:xfrm>
-            <a:off x="1554480" y="1554480"/>
-            <a:ext cx="9601200" cy="5198490"/>
+            <a:off x="1554480" y="1568070"/>
+            <a:ext cx="9601200" cy="5184900"/>
           </a:xfrm>
         </p:spPr>
         <p:txBody>
@@ -9354,6 +9392,21 @@
           </a:p>
           <a:p>
             <a:r>
+              <a:rPr lang="en-US" sz="2400" dirty="0" err="1"/>
+              <a:t>Monolitni</a:t>
+            </a:r>
+            <a:r>
+              <a:rPr lang="en-US" sz="2400" dirty="0"/>
+              <a:t> &lt;-&gt; </a:t>
+            </a:r>
+            <a:r>
+              <a:rPr lang="en-US" sz="2400" dirty="0" err="1"/>
+              <a:t>Mikroservisi</a:t>
+            </a:r>
+            <a:endParaRPr lang="en-US" sz="2400" dirty="0"/>
+          </a:p>
+          <a:p>
+            <a:r>
               <a:rPr lang="sr-Latn-RS" sz="2400" dirty="0"/>
               <a:t>Prednosti</a:t>
             </a:r>
@@ -9415,31 +9468,6 @@
             <a:r>
               <a:rPr lang="sr-Latn-RS" sz="2400" dirty="0"/>
               <a:t>ša arhitekutra</a:t>
-            </a:r>
-          </a:p>
-          <a:p>
-            <a:r>
-              <a:rPr lang="en-US" sz="2400" dirty="0" err="1"/>
-              <a:t>Motivacija</a:t>
-            </a:r>
-            <a:endParaRPr lang="sr-Latn-RS" sz="2400" dirty="0"/>
-          </a:p>
-          <a:p>
-            <a:pPr lvl="1"/>
-            <a:r>
-              <a:rPr lang="en-US" sz="2400" dirty="0"/>
-              <a:t>P</a:t>
-            </a:r>
-            <a:r>
-              <a:rPr lang="sr-Latn-RS" sz="2400" dirty="0"/>
-              <a:t>rednosti</a:t>
-            </a:r>
-          </a:p>
-          <a:p>
-            <a:pPr lvl="1"/>
-            <a:r>
-              <a:rPr lang="sr-Latn-RS" sz="2400" dirty="0"/>
-              <a:t>Edukacija</a:t>
             </a:r>
           </a:p>
         </p:txBody>
